--- a/CA2 Documents/CW_KCSOF_B-Alex-Paquette-C00302989-CA2.pptx
+++ b/CA2 Documents/CW_KCSOF_B-Alex-Paquette-C00302989-CA2.pptx
@@ -8,11 +8,12 @@
     <p:sldId id="256" r:id="rId2"/>
     <p:sldId id="257" r:id="rId3"/>
     <p:sldId id="259" r:id="rId4"/>
-    <p:sldId id="266" r:id="rId5"/>
-    <p:sldId id="260" r:id="rId6"/>
-    <p:sldId id="263" r:id="rId7"/>
-    <p:sldId id="264" r:id="rId8"/>
-    <p:sldId id="267" r:id="rId9"/>
+    <p:sldId id="268" r:id="rId5"/>
+    <p:sldId id="266" r:id="rId6"/>
+    <p:sldId id="260" r:id="rId7"/>
+    <p:sldId id="263" r:id="rId8"/>
+    <p:sldId id="264" r:id="rId9"/>
+    <p:sldId id="267" r:id="rId10"/>
   </p:sldIdLst>
   <p:sldSz cx="12192000" cy="6858000"/>
   <p:notesSz cx="6858000" cy="9144000"/>
@@ -9884,7 +9885,7 @@
           <a:p>
             <a:fld id="{7B2C6DA5-E3F9-49E1-A601-17071C106835}" type="datetimeFigureOut">
               <a:rPr lang="en-US" smtClean="0"/>
-              <a:t>4/16/2024</a:t>
+              <a:t>4/17/2024</a:t>
             </a:fld>
             <a:endParaRPr lang="en-US"/>
           </a:p>
@@ -10082,7 +10083,7 @@
           <a:p>
             <a:fld id="{7B2C6DA5-E3F9-49E1-A601-17071C106835}" type="datetimeFigureOut">
               <a:rPr lang="en-US" smtClean="0"/>
-              <a:t>4/16/2024</a:t>
+              <a:t>4/17/2024</a:t>
             </a:fld>
             <a:endParaRPr lang="en-US"/>
           </a:p>
@@ -10290,7 +10291,7 @@
           <a:p>
             <a:fld id="{7B2C6DA5-E3F9-49E1-A601-17071C106835}" type="datetimeFigureOut">
               <a:rPr lang="en-US" smtClean="0"/>
-              <a:t>4/16/2024</a:t>
+              <a:t>4/17/2024</a:t>
             </a:fld>
             <a:endParaRPr lang="en-US"/>
           </a:p>
@@ -10488,7 +10489,7 @@
           <a:p>
             <a:fld id="{7B2C6DA5-E3F9-49E1-A601-17071C106835}" type="datetimeFigureOut">
               <a:rPr lang="en-US" smtClean="0"/>
-              <a:t>4/16/2024</a:t>
+              <a:t>4/17/2024</a:t>
             </a:fld>
             <a:endParaRPr lang="en-US"/>
           </a:p>
@@ -10763,7 +10764,7 @@
           <a:p>
             <a:fld id="{7B2C6DA5-E3F9-49E1-A601-17071C106835}" type="datetimeFigureOut">
               <a:rPr lang="en-US" smtClean="0"/>
-              <a:t>4/16/2024</a:t>
+              <a:t>4/17/2024</a:t>
             </a:fld>
             <a:endParaRPr lang="en-US"/>
           </a:p>
@@ -11028,7 +11029,7 @@
           <a:p>
             <a:fld id="{7B2C6DA5-E3F9-49E1-A601-17071C106835}" type="datetimeFigureOut">
               <a:rPr lang="en-US" smtClean="0"/>
-              <a:t>4/16/2024</a:t>
+              <a:t>4/17/2024</a:t>
             </a:fld>
             <a:endParaRPr lang="en-US"/>
           </a:p>
@@ -11440,7 +11441,7 @@
           <a:p>
             <a:fld id="{7B2C6DA5-E3F9-49E1-A601-17071C106835}" type="datetimeFigureOut">
               <a:rPr lang="en-US" smtClean="0"/>
-              <a:t>4/16/2024</a:t>
+              <a:t>4/17/2024</a:t>
             </a:fld>
             <a:endParaRPr lang="en-US"/>
           </a:p>
@@ -11581,7 +11582,7 @@
           <a:p>
             <a:fld id="{7B2C6DA5-E3F9-49E1-A601-17071C106835}" type="datetimeFigureOut">
               <a:rPr lang="en-US" smtClean="0"/>
-              <a:t>4/16/2024</a:t>
+              <a:t>4/17/2024</a:t>
             </a:fld>
             <a:endParaRPr lang="en-US"/>
           </a:p>
@@ -11694,7 +11695,7 @@
           <a:p>
             <a:fld id="{7B2C6DA5-E3F9-49E1-A601-17071C106835}" type="datetimeFigureOut">
               <a:rPr lang="en-US" smtClean="0"/>
-              <a:t>4/16/2024</a:t>
+              <a:t>4/17/2024</a:t>
             </a:fld>
             <a:endParaRPr lang="en-US"/>
           </a:p>
@@ -12005,7 +12006,7 @@
           <a:p>
             <a:fld id="{7B2C6DA5-E3F9-49E1-A601-17071C106835}" type="datetimeFigureOut">
               <a:rPr lang="en-US" smtClean="0"/>
-              <a:t>4/16/2024</a:t>
+              <a:t>4/17/2024</a:t>
             </a:fld>
             <a:endParaRPr lang="en-US"/>
           </a:p>
@@ -12293,7 +12294,7 @@
           <a:p>
             <a:fld id="{7B2C6DA5-E3F9-49E1-A601-17071C106835}" type="datetimeFigureOut">
               <a:rPr lang="en-US" smtClean="0"/>
-              <a:t>4/16/2024</a:t>
+              <a:t>4/17/2024</a:t>
             </a:fld>
             <a:endParaRPr lang="en-US"/>
           </a:p>
@@ -12534,7 +12535,7 @@
           <a:p>
             <a:fld id="{7B2C6DA5-E3F9-49E1-A601-17071C106835}" type="datetimeFigureOut">
               <a:rPr lang="en-US" smtClean="0"/>
-              <a:t>4/16/2024</a:t>
+              <a:t>4/17/2024</a:t>
             </a:fld>
             <a:endParaRPr lang="en-US"/>
           </a:p>
@@ -14407,6 +14408,449 @@
       </p:grpSpPr>
       <p:sp useBgFill="1">
         <p:nvSpPr>
+          <p:cNvPr id="13" name="Rectangle 12">
+            <a:extLst>
+              <a:ext uri="{FF2B5EF4-FFF2-40B4-BE49-F238E27FC236}">
+                <a16:creationId xmlns:a16="http://schemas.microsoft.com/office/drawing/2014/main" id="{AB8C311F-7253-4AED-9701-7FC0708C41C7}"/>
+              </a:ext>
+              <a:ext uri="{C183D7F6-B498-43B3-948B-1728B52AA6E4}">
+                <adec:decorative xmlns:adec="http://schemas.microsoft.com/office/drawing/2017/decorative" val="1"/>
+              </a:ext>
+            </a:extLst>
+          </p:cNvPr>
+          <p:cNvSpPr>
+            <a:spLocks noGrp="1" noRot="1" noChangeAspect="1" noMove="1" noResize="1" noEditPoints="1" noAdjustHandles="1" noChangeArrowheads="1" noChangeShapeType="1" noTextEdit="1"/>
+          </p:cNvSpPr>
+          <p:nvPr>
+            <p:extLst>
+              <p:ext uri="{386F3935-93C4-4BCD-93E2-E3B085C9AB24}">
+                <p16:designElem xmlns:p16="http://schemas.microsoft.com/office/powerpoint/2015/main" val="1"/>
+              </p:ext>
+            </p:extLst>
+          </p:nvPr>
+        </p:nvSpPr>
+        <p:spPr>
+          <a:xfrm>
+            <a:off x="0" y="0"/>
+            <a:ext cx="12192000" cy="6858000"/>
+          </a:xfrm>
+          <a:prstGeom prst="rect">
+            <a:avLst/>
+          </a:prstGeom>
+          <a:ln w="12700" cap="flat" cmpd="sng" algn="ctr">
+            <a:noFill/>
+            <a:prstDash val="solid"/>
+            <a:miter lim="800000"/>
+          </a:ln>
+          <a:effectLst/>
+          <a:extLst>
+            <a:ext uri="{91240B29-F687-4F45-9708-019B960494DF}">
+              <a14:hiddenLine xmlns:a14="http://schemas.microsoft.com/office/drawing/2010/main" w="12700" cap="flat" cmpd="sng" algn="ctr">
+                <a:solidFill>
+                  <a:schemeClr val="accent1">
+                    <a:shade val="50000"/>
+                  </a:schemeClr>
+                </a:solidFill>
+                <a:prstDash val="solid"/>
+                <a:miter lim="800000"/>
+              </a14:hiddenLine>
+            </a:ext>
+          </a:extLst>
+        </p:spPr>
+        <p:style>
+          <a:lnRef idx="2">
+            <a:schemeClr val="accent1">
+              <a:shade val="50000"/>
+            </a:schemeClr>
+          </a:lnRef>
+          <a:fillRef idx="1">
+            <a:schemeClr val="accent1"/>
+          </a:fillRef>
+          <a:effectRef idx="0">
+            <a:schemeClr val="accent1"/>
+          </a:effectRef>
+          <a:fontRef idx="minor">
+            <a:schemeClr val="lt1"/>
+          </a:fontRef>
+        </p:style>
+        <p:txBody>
+          <a:bodyPr rtlCol="0" anchor="ctr"/>
+          <a:lstStyle/>
+          <a:p>
+            <a:pPr algn="ctr"/>
+            <a:endParaRPr lang="en-US"/>
+          </a:p>
+        </p:txBody>
+      </p:sp>
+      <p:sp>
+        <p:nvSpPr>
+          <p:cNvPr id="15" name="Rectangle 14">
+            <a:extLst>
+              <a:ext uri="{FF2B5EF4-FFF2-40B4-BE49-F238E27FC236}">
+                <a16:creationId xmlns:a16="http://schemas.microsoft.com/office/drawing/2014/main" id="{E2384209-CB15-4CDF-9D31-C44FD9A3F20D}"/>
+              </a:ext>
+              <a:ext uri="{C183D7F6-B498-43B3-948B-1728B52AA6E4}">
+                <adec:decorative xmlns:adec="http://schemas.microsoft.com/office/drawing/2017/decorative" val="1"/>
+              </a:ext>
+            </a:extLst>
+          </p:cNvPr>
+          <p:cNvSpPr>
+            <a:spLocks noGrp="1" noRot="1" noChangeAspect="1" noMove="1" noResize="1" noEditPoints="1" noAdjustHandles="1" noChangeArrowheads="1" noChangeShapeType="1" noTextEdit="1"/>
+          </p:cNvSpPr>
+          <p:nvPr>
+            <p:extLst>
+              <p:ext uri="{386F3935-93C4-4BCD-93E2-E3B085C9AB24}">
+                <p16:designElem xmlns:p16="http://schemas.microsoft.com/office/powerpoint/2015/main" val="1"/>
+              </p:ext>
+            </p:extLst>
+          </p:nvPr>
+        </p:nvSpPr>
+        <p:spPr>
+          <a:xfrm rot="16200000" flipH="1">
+            <a:off x="2666617" y="-2666188"/>
+            <a:ext cx="6858000" cy="12191233"/>
+          </a:xfrm>
+          <a:prstGeom prst="rect">
+            <a:avLst/>
+          </a:prstGeom>
+          <a:gradFill>
+            <a:gsLst>
+              <a:gs pos="8000">
+                <a:schemeClr val="accent1"/>
+              </a:gs>
+              <a:gs pos="100000">
+                <a:schemeClr val="accent1">
+                  <a:lumMod val="50000"/>
+                </a:schemeClr>
+              </a:gs>
+            </a:gsLst>
+            <a:lin ang="12000000" scaled="0"/>
+          </a:gradFill>
+          <a:ln>
+            <a:noFill/>
+          </a:ln>
+        </p:spPr>
+        <p:style>
+          <a:lnRef idx="2">
+            <a:schemeClr val="accent1">
+              <a:shade val="50000"/>
+            </a:schemeClr>
+          </a:lnRef>
+          <a:fillRef idx="1">
+            <a:schemeClr val="accent1"/>
+          </a:fillRef>
+          <a:effectRef idx="0">
+            <a:schemeClr val="accent1"/>
+          </a:effectRef>
+          <a:fontRef idx="minor">
+            <a:schemeClr val="lt1"/>
+          </a:fontRef>
+        </p:style>
+        <p:txBody>
+          <a:bodyPr rtlCol="0" anchor="ctr"/>
+          <a:lstStyle/>
+          <a:p>
+            <a:pPr algn="ctr"/>
+            <a:endParaRPr lang="en-US"/>
+          </a:p>
+        </p:txBody>
+      </p:sp>
+      <p:sp>
+        <p:nvSpPr>
+          <p:cNvPr id="17" name="Rectangle 16">
+            <a:extLst>
+              <a:ext uri="{FF2B5EF4-FFF2-40B4-BE49-F238E27FC236}">
+                <a16:creationId xmlns:a16="http://schemas.microsoft.com/office/drawing/2014/main" id="{2633B3B5-CC90-43F0-8714-D31D1F3F0209}"/>
+              </a:ext>
+              <a:ext uri="{C183D7F6-B498-43B3-948B-1728B52AA6E4}">
+                <adec:decorative xmlns:adec="http://schemas.microsoft.com/office/drawing/2017/decorative" val="1"/>
+              </a:ext>
+            </a:extLst>
+          </p:cNvPr>
+          <p:cNvSpPr>
+            <a:spLocks noGrp="1" noRot="1" noChangeAspect="1" noMove="1" noResize="1" noEditPoints="1" noAdjustHandles="1" noChangeArrowheads="1" noChangeShapeType="1" noTextEdit="1"/>
+          </p:cNvSpPr>
+          <p:nvPr>
+            <p:extLst>
+              <p:ext uri="{386F3935-93C4-4BCD-93E2-E3B085C9AB24}">
+                <p16:designElem xmlns:p16="http://schemas.microsoft.com/office/powerpoint/2015/main" val="1"/>
+              </p:ext>
+            </p:extLst>
+          </p:nvPr>
+        </p:nvSpPr>
+        <p:spPr>
+          <a:xfrm rot="10800000" flipH="1">
+            <a:off x="-2311" y="0"/>
+            <a:ext cx="9070846" cy="6857572"/>
+          </a:xfrm>
+          <a:prstGeom prst="rect">
+            <a:avLst/>
+          </a:prstGeom>
+          <a:gradFill>
+            <a:gsLst>
+              <a:gs pos="8000">
+                <a:srgbClr val="000000">
+                  <a:alpha val="52000"/>
+                </a:srgbClr>
+              </a:gs>
+              <a:gs pos="100000">
+                <a:schemeClr val="accent1"/>
+              </a:gs>
+            </a:gsLst>
+            <a:lin ang="4800000" scaled="0"/>
+          </a:gradFill>
+          <a:ln>
+            <a:noFill/>
+          </a:ln>
+        </p:spPr>
+        <p:style>
+          <a:lnRef idx="2">
+            <a:schemeClr val="accent1">
+              <a:shade val="50000"/>
+            </a:schemeClr>
+          </a:lnRef>
+          <a:fillRef idx="1">
+            <a:schemeClr val="accent1"/>
+          </a:fillRef>
+          <a:effectRef idx="0">
+            <a:schemeClr val="accent1"/>
+          </a:effectRef>
+          <a:fontRef idx="minor">
+            <a:schemeClr val="lt1"/>
+          </a:fontRef>
+        </p:style>
+        <p:txBody>
+          <a:bodyPr rtlCol="0" anchor="ctr"/>
+          <a:lstStyle/>
+          <a:p>
+            <a:pPr algn="ctr"/>
+            <a:endParaRPr lang="en-US"/>
+          </a:p>
+        </p:txBody>
+      </p:sp>
+      <p:sp>
+        <p:nvSpPr>
+          <p:cNvPr id="19" name="Rectangle 18">
+            <a:extLst>
+              <a:ext uri="{FF2B5EF4-FFF2-40B4-BE49-F238E27FC236}">
+                <a16:creationId xmlns:a16="http://schemas.microsoft.com/office/drawing/2014/main" id="{A8D57A06-A426-446D-B02C-A2DC6B62E45E}"/>
+              </a:ext>
+              <a:ext uri="{C183D7F6-B498-43B3-948B-1728B52AA6E4}">
+                <adec:decorative xmlns:adec="http://schemas.microsoft.com/office/drawing/2017/decorative" val="1"/>
+              </a:ext>
+            </a:extLst>
+          </p:cNvPr>
+          <p:cNvSpPr>
+            <a:spLocks noGrp="1" noRot="1" noChangeAspect="1" noMove="1" noResize="1" noEditPoints="1" noAdjustHandles="1" noChangeArrowheads="1" noChangeShapeType="1" noTextEdit="1"/>
+          </p:cNvSpPr>
+          <p:nvPr>
+            <p:extLst>
+              <p:ext uri="{386F3935-93C4-4BCD-93E2-E3B085C9AB24}">
+                <p16:designElem xmlns:p16="http://schemas.microsoft.com/office/powerpoint/2015/main" val="1"/>
+              </p:ext>
+            </p:extLst>
+          </p:nvPr>
+        </p:nvSpPr>
+        <p:spPr>
+          <a:xfrm rot="16200000" flipH="1">
+            <a:off x="3649491" y="-1685840"/>
+            <a:ext cx="4894564" cy="12193546"/>
+          </a:xfrm>
+          <a:prstGeom prst="rect">
+            <a:avLst/>
+          </a:prstGeom>
+          <a:gradFill>
+            <a:gsLst>
+              <a:gs pos="0">
+                <a:schemeClr val="accent5">
+                  <a:lumMod val="60000"/>
+                  <a:lumOff val="40000"/>
+                  <a:alpha val="0"/>
+                </a:schemeClr>
+              </a:gs>
+              <a:gs pos="100000">
+                <a:srgbClr val="000000">
+                  <a:alpha val="46000"/>
+                </a:srgbClr>
+              </a:gs>
+            </a:gsLst>
+            <a:lin ang="1200000" scaled="0"/>
+          </a:gradFill>
+          <a:ln>
+            <a:noFill/>
+          </a:ln>
+        </p:spPr>
+        <p:style>
+          <a:lnRef idx="2">
+            <a:schemeClr val="accent1">
+              <a:shade val="50000"/>
+            </a:schemeClr>
+          </a:lnRef>
+          <a:fillRef idx="1">
+            <a:schemeClr val="accent1"/>
+          </a:fillRef>
+          <a:effectRef idx="0">
+            <a:schemeClr val="accent1"/>
+          </a:effectRef>
+          <a:fontRef idx="minor">
+            <a:schemeClr val="lt1"/>
+          </a:fontRef>
+        </p:style>
+        <p:txBody>
+          <a:bodyPr rtlCol="0" anchor="ctr"/>
+          <a:lstStyle/>
+          <a:p>
+            <a:pPr algn="ctr"/>
+            <a:endParaRPr lang="en-US"/>
+          </a:p>
+        </p:txBody>
+      </p:sp>
+      <p:pic>
+        <p:nvPicPr>
+          <p:cNvPr id="5" name="Picture 4">
+            <a:extLst>
+              <a:ext uri="{FF2B5EF4-FFF2-40B4-BE49-F238E27FC236}">
+                <a16:creationId xmlns:a16="http://schemas.microsoft.com/office/drawing/2014/main" id="{4B78520B-864C-9ECB-19A6-A7D93DDF7D89}"/>
+              </a:ext>
+            </a:extLst>
+          </p:cNvPr>
+          <p:cNvPicPr>
+            <a:picLocks noChangeAspect="1"/>
+          </p:cNvPicPr>
+          <p:nvPr/>
+        </p:nvPicPr>
+        <p:blipFill>
+          <a:blip r:embed="rId2"/>
+          <a:stretch>
+            <a:fillRect/>
+          </a:stretch>
+        </p:blipFill>
+        <p:spPr>
+          <a:xfrm>
+            <a:off x="457200" y="1239908"/>
+            <a:ext cx="4870731" cy="4378184"/>
+          </a:xfrm>
+          <a:prstGeom prst="rect">
+            <a:avLst/>
+          </a:prstGeom>
+        </p:spPr>
+      </p:pic>
+      <p:pic>
+        <p:nvPicPr>
+          <p:cNvPr id="7" name="Picture 6">
+            <a:extLst>
+              <a:ext uri="{FF2B5EF4-FFF2-40B4-BE49-F238E27FC236}">
+                <a16:creationId xmlns:a16="http://schemas.microsoft.com/office/drawing/2014/main" id="{4F150446-BE6E-AC9F-8A7E-A2B4151D8D4B}"/>
+              </a:ext>
+            </a:extLst>
+          </p:cNvPr>
+          <p:cNvPicPr>
+            <a:picLocks noChangeAspect="1"/>
+          </p:cNvPicPr>
+          <p:nvPr/>
+        </p:nvPicPr>
+        <p:blipFill>
+          <a:blip r:embed="rId3"/>
+          <a:stretch>
+            <a:fillRect/>
+          </a:stretch>
+        </p:blipFill>
+        <p:spPr>
+          <a:xfrm>
+            <a:off x="9490980" y="506562"/>
+            <a:ext cx="2243820" cy="5844876"/>
+          </a:xfrm>
+          <a:prstGeom prst="rect">
+            <a:avLst/>
+          </a:prstGeom>
+        </p:spPr>
+      </p:pic>
+      <p:sp>
+        <p:nvSpPr>
+          <p:cNvPr id="8" name="Arrow: Right 7">
+            <a:extLst>
+              <a:ext uri="{FF2B5EF4-FFF2-40B4-BE49-F238E27FC236}">
+                <a16:creationId xmlns:a16="http://schemas.microsoft.com/office/drawing/2014/main" id="{A48BB02B-8C9E-4F25-EB8C-BD8069C39E23}"/>
+              </a:ext>
+            </a:extLst>
+          </p:cNvPr>
+          <p:cNvSpPr/>
+          <p:nvPr/>
+        </p:nvSpPr>
+        <p:spPr>
+          <a:xfrm>
+            <a:off x="5077493" y="3247053"/>
+            <a:ext cx="4663455" cy="438539"/>
+          </a:xfrm>
+          <a:prstGeom prst="rightArrow">
+            <a:avLst/>
+          </a:prstGeom>
+        </p:spPr>
+        <p:style>
+          <a:lnRef idx="2">
+            <a:schemeClr val="accent2">
+              <a:shade val="15000"/>
+            </a:schemeClr>
+          </a:lnRef>
+          <a:fillRef idx="1">
+            <a:schemeClr val="accent2"/>
+          </a:fillRef>
+          <a:effectRef idx="0">
+            <a:schemeClr val="accent2"/>
+          </a:effectRef>
+          <a:fontRef idx="minor">
+            <a:schemeClr val="lt1"/>
+          </a:fontRef>
+        </p:style>
+        <p:txBody>
+          <a:bodyPr rtlCol="0" anchor="ctr"/>
+          <a:lstStyle/>
+          <a:p>
+            <a:pPr algn="ctr"/>
+            <a:endParaRPr lang="en-US"/>
+          </a:p>
+        </p:txBody>
+      </p:sp>
+    </p:spTree>
+    <p:extLst>
+      <p:ext uri="{BB962C8B-B14F-4D97-AF65-F5344CB8AC3E}">
+        <p14:creationId xmlns:p14="http://schemas.microsoft.com/office/powerpoint/2010/main" val="515424018"/>
+      </p:ext>
+    </p:extLst>
+  </p:cSld>
+  <p:clrMapOvr>
+    <a:masterClrMapping/>
+  </p:clrMapOvr>
+</p:sld>
+</file>
+
+<file path=ppt/slides/slide5.xml><?xml version="1.0" encoding="utf-8"?>
+<p:sld xmlns:a="http://schemas.openxmlformats.org/drawingml/2006/main" xmlns:r="http://schemas.openxmlformats.org/officeDocument/2006/relationships" xmlns:p="http://schemas.openxmlformats.org/presentationml/2006/main">
+  <p:cSld>
+    <p:bg>
+      <p:bgPr>
+        <a:solidFill>
+          <a:schemeClr val="bg1"/>
+        </a:solidFill>
+        <a:effectLst/>
+      </p:bgPr>
+    </p:bg>
+    <p:spTree>
+      <p:nvGrpSpPr>
+        <p:cNvPr id="1" name=""/>
+        <p:cNvGrpSpPr/>
+        <p:nvPr/>
+      </p:nvGrpSpPr>
+      <p:grpSpPr>
+        <a:xfrm>
+          <a:off x="0" y="0"/>
+          <a:ext cx="0" cy="0"/>
+          <a:chOff x="0" y="0"/>
+          <a:chExt cx="0" cy="0"/>
+        </a:xfrm>
+      </p:grpSpPr>
+      <p:sp useBgFill="1">
+        <p:nvSpPr>
           <p:cNvPr id="19" name="Rectangle 18">
             <a:extLst>
               <a:ext uri="{FF2B5EF4-FFF2-40B4-BE49-F238E27FC236}">
@@ -14788,52 +15232,6 @@
           </a:effectLst>
         </p:spPr>
       </p:pic>
-      <p:sp>
-        <p:nvSpPr>
-          <p:cNvPr id="14" name="Arrow: Right 13">
-            <a:extLst>
-              <a:ext uri="{FF2B5EF4-FFF2-40B4-BE49-F238E27FC236}">
-                <a16:creationId xmlns:a16="http://schemas.microsoft.com/office/drawing/2014/main" id="{E6DADBF2-1D2B-5540-3915-4726AA7821E5}"/>
-              </a:ext>
-            </a:extLst>
-          </p:cNvPr>
-          <p:cNvSpPr/>
-          <p:nvPr/>
-        </p:nvSpPr>
-        <p:spPr>
-          <a:xfrm>
-            <a:off x="5666418" y="3106249"/>
-            <a:ext cx="1650787" cy="961443"/>
-          </a:xfrm>
-          <a:prstGeom prst="rightArrow">
-            <a:avLst/>
-          </a:prstGeom>
-        </p:spPr>
-        <p:style>
-          <a:lnRef idx="2">
-            <a:schemeClr val="accent1">
-              <a:shade val="15000"/>
-            </a:schemeClr>
-          </a:lnRef>
-          <a:fillRef idx="1">
-            <a:schemeClr val="accent1"/>
-          </a:fillRef>
-          <a:effectRef idx="0">
-            <a:schemeClr val="accent1"/>
-          </a:effectRef>
-          <a:fontRef idx="minor">
-            <a:schemeClr val="lt1"/>
-          </a:fontRef>
-        </p:style>
-        <p:txBody>
-          <a:bodyPr rtlCol="0" anchor="ctr"/>
-          <a:lstStyle/>
-          <a:p>
-            <a:pPr algn="ctr"/>
-            <a:endParaRPr lang="en-US" dirty="0"/>
-          </a:p>
-        </p:txBody>
-      </p:sp>
       <p:pic>
         <p:nvPicPr>
           <p:cNvPr id="16" name="Picture 15">
@@ -14918,6 +15316,144 @@
           </a:effectLst>
         </p:spPr>
       </p:pic>
+      <p:sp>
+        <p:nvSpPr>
+          <p:cNvPr id="2" name="Arrow: Right 1">
+            <a:extLst>
+              <a:ext uri="{FF2B5EF4-FFF2-40B4-BE49-F238E27FC236}">
+                <a16:creationId xmlns:a16="http://schemas.microsoft.com/office/drawing/2014/main" id="{752AADA8-E80E-D76F-94B9-EFFB74064212}"/>
+              </a:ext>
+            </a:extLst>
+          </p:cNvPr>
+          <p:cNvSpPr/>
+          <p:nvPr/>
+        </p:nvSpPr>
+        <p:spPr>
+          <a:xfrm rot="19901404">
+            <a:off x="5515148" y="2238174"/>
+            <a:ext cx="2234017" cy="331255"/>
+          </a:xfrm>
+          <a:prstGeom prst="rightArrow">
+            <a:avLst/>
+          </a:prstGeom>
+        </p:spPr>
+        <p:style>
+          <a:lnRef idx="2">
+            <a:schemeClr val="accent2">
+              <a:shade val="15000"/>
+            </a:schemeClr>
+          </a:lnRef>
+          <a:fillRef idx="1">
+            <a:schemeClr val="accent2"/>
+          </a:fillRef>
+          <a:effectRef idx="0">
+            <a:schemeClr val="accent2"/>
+          </a:effectRef>
+          <a:fontRef idx="minor">
+            <a:schemeClr val="lt1"/>
+          </a:fontRef>
+        </p:style>
+        <p:txBody>
+          <a:bodyPr rtlCol="0" anchor="ctr"/>
+          <a:lstStyle/>
+          <a:p>
+            <a:pPr algn="ctr"/>
+            <a:endParaRPr lang="en-US"/>
+          </a:p>
+        </p:txBody>
+      </p:sp>
+      <p:sp>
+        <p:nvSpPr>
+          <p:cNvPr id="14" name="Arrow: Right 13">
+            <a:extLst>
+              <a:ext uri="{FF2B5EF4-FFF2-40B4-BE49-F238E27FC236}">
+                <a16:creationId xmlns:a16="http://schemas.microsoft.com/office/drawing/2014/main" id="{E6DADBF2-1D2B-5540-3915-4726AA7821E5}"/>
+              </a:ext>
+            </a:extLst>
+          </p:cNvPr>
+          <p:cNvSpPr/>
+          <p:nvPr/>
+        </p:nvSpPr>
+        <p:spPr>
+          <a:xfrm>
+            <a:off x="5510533" y="3465667"/>
+            <a:ext cx="2090498" cy="321026"/>
+          </a:xfrm>
+          <a:prstGeom prst="rightArrow">
+            <a:avLst/>
+          </a:prstGeom>
+        </p:spPr>
+        <p:style>
+          <a:lnRef idx="2">
+            <a:schemeClr val="accent2">
+              <a:shade val="15000"/>
+            </a:schemeClr>
+          </a:lnRef>
+          <a:fillRef idx="1">
+            <a:schemeClr val="accent2"/>
+          </a:fillRef>
+          <a:effectRef idx="0">
+            <a:schemeClr val="accent2"/>
+          </a:effectRef>
+          <a:fontRef idx="minor">
+            <a:schemeClr val="lt1"/>
+          </a:fontRef>
+        </p:style>
+        <p:txBody>
+          <a:bodyPr rtlCol="0" anchor="ctr"/>
+          <a:lstStyle/>
+          <a:p>
+            <a:pPr algn="ctr"/>
+            <a:endParaRPr lang="en-US" dirty="0"/>
+          </a:p>
+        </p:txBody>
+      </p:sp>
+      <p:sp>
+        <p:nvSpPr>
+          <p:cNvPr id="3" name="Arrow: Right 2">
+            <a:extLst>
+              <a:ext uri="{FF2B5EF4-FFF2-40B4-BE49-F238E27FC236}">
+                <a16:creationId xmlns:a16="http://schemas.microsoft.com/office/drawing/2014/main" id="{C340F3A2-DE78-637A-DCD0-AE460C0307ED}"/>
+              </a:ext>
+            </a:extLst>
+          </p:cNvPr>
+          <p:cNvSpPr/>
+          <p:nvPr/>
+        </p:nvSpPr>
+        <p:spPr>
+          <a:xfrm>
+            <a:off x="5507230" y="4405027"/>
+            <a:ext cx="4450586" cy="321026"/>
+          </a:xfrm>
+          <a:prstGeom prst="rightArrow">
+            <a:avLst/>
+          </a:prstGeom>
+        </p:spPr>
+        <p:style>
+          <a:lnRef idx="2">
+            <a:schemeClr val="accent2">
+              <a:shade val="15000"/>
+            </a:schemeClr>
+          </a:lnRef>
+          <a:fillRef idx="1">
+            <a:schemeClr val="accent2"/>
+          </a:fillRef>
+          <a:effectRef idx="0">
+            <a:schemeClr val="accent2"/>
+          </a:effectRef>
+          <a:fontRef idx="minor">
+            <a:schemeClr val="lt1"/>
+          </a:fontRef>
+        </p:style>
+        <p:txBody>
+          <a:bodyPr rtlCol="0" anchor="ctr"/>
+          <a:lstStyle/>
+          <a:p>
+            <a:pPr algn="ctr"/>
+            <a:endParaRPr lang="en-US"/>
+          </a:p>
+        </p:txBody>
+      </p:sp>
     </p:spTree>
     <p:extLst>
       <p:ext uri="{BB962C8B-B14F-4D97-AF65-F5344CB8AC3E}">
@@ -14931,7 +15467,7 @@
 </p:sld>
 </file>
 
-<file path=ppt/slides/slide5.xml><?xml version="1.0" encoding="utf-8"?>
+<file path=ppt/slides/slide6.xml><?xml version="1.0" encoding="utf-8"?>
 <p:sld xmlns:a="http://schemas.openxmlformats.org/drawingml/2006/main" xmlns:r="http://schemas.openxmlformats.org/officeDocument/2006/relationships" xmlns:p="http://schemas.openxmlformats.org/presentationml/2006/main">
   <p:cSld>
     <p:bg>
@@ -15493,7 +16029,7 @@
 </p:sld>
 </file>
 
-<file path=ppt/slides/slide6.xml><?xml version="1.0" encoding="utf-8"?>
+<file path=ppt/slides/slide7.xml><?xml version="1.0" encoding="utf-8"?>
 <p:sld xmlns:a="http://schemas.openxmlformats.org/drawingml/2006/main" xmlns:r="http://schemas.openxmlformats.org/officeDocument/2006/relationships" xmlns:p="http://schemas.openxmlformats.org/presentationml/2006/main">
   <p:cSld>
     <p:bg>
@@ -15802,7 +16338,7 @@
 </p:sld>
 </file>
 
-<file path=ppt/slides/slide7.xml><?xml version="1.0" encoding="utf-8"?>
+<file path=ppt/slides/slide8.xml><?xml version="1.0" encoding="utf-8"?>
 <p:sld xmlns:a="http://schemas.openxmlformats.org/drawingml/2006/main" xmlns:r="http://schemas.openxmlformats.org/officeDocument/2006/relationships" xmlns:p="http://schemas.openxmlformats.org/presentationml/2006/main">
   <p:cSld>
     <p:bg>
@@ -16212,7 +16748,7 @@
 </p:sld>
 </file>
 
-<file path=ppt/slides/slide8.xml><?xml version="1.0" encoding="utf-8"?>
+<file path=ppt/slides/slide9.xml><?xml version="1.0" encoding="utf-8"?>
 <p:sld xmlns:a="http://schemas.openxmlformats.org/drawingml/2006/main" xmlns:r="http://schemas.openxmlformats.org/officeDocument/2006/relationships" xmlns:p="http://schemas.openxmlformats.org/presentationml/2006/main">
   <p:cSld>
     <p:bg>
